--- a/img/画像作成_workspace.pptx
+++ b/img/画像作成_workspace.pptx
@@ -6,6 +6,7 @@
   </p:sldMasterIdLst>
   <p:sldIdLst>
     <p:sldId id="256" r:id="rId2"/>
+    <p:sldId id="257" r:id="rId3"/>
   </p:sldIdLst>
   <p:sldSz cx="12192000" cy="6858000"/>
   <p:notesSz cx="6858000" cy="9144000"/>
@@ -104,6 +105,11 @@
       </a:defRPr>
     </a:lvl9pPr>
   </p:defaultTextStyle>
+  <p:extLst>
+    <p:ext uri="{EFAFB233-063F-42B5-8137-9DF3F51BA10A}">
+      <p15:sldGuideLst xmlns:p15="http://schemas.microsoft.com/office/powerpoint/2012/main"/>
+    </p:ext>
+  </p:extLst>
 </p:presentation>
 </file>
 
@@ -254,7 +260,7 @@
           <a:p>
             <a:fld id="{DE374233-F62D-42D9-8A0B-E7E60A34C0EB}" type="datetimeFigureOut">
               <a:rPr kumimoji="1" lang="ja-JP" altLang="en-US" smtClean="0"/>
-              <a:t>2020/3/29</a:t>
+              <a:t>2020/3/31</a:t>
             </a:fld>
             <a:endParaRPr kumimoji="1" lang="ja-JP" altLang="en-US"/>
           </a:p>
@@ -484,7 +490,7 @@
           <a:p>
             <a:fld id="{DE374233-F62D-42D9-8A0B-E7E60A34C0EB}" type="datetimeFigureOut">
               <a:rPr kumimoji="1" lang="ja-JP" altLang="en-US" smtClean="0"/>
-              <a:t>2020/3/29</a:t>
+              <a:t>2020/3/31</a:t>
             </a:fld>
             <a:endParaRPr kumimoji="1" lang="ja-JP" altLang="en-US"/>
           </a:p>
@@ -724,7 +730,7 @@
           <a:p>
             <a:fld id="{DE374233-F62D-42D9-8A0B-E7E60A34C0EB}" type="datetimeFigureOut">
               <a:rPr kumimoji="1" lang="ja-JP" altLang="en-US" smtClean="0"/>
-              <a:t>2020/3/29</a:t>
+              <a:t>2020/3/31</a:t>
             </a:fld>
             <a:endParaRPr kumimoji="1" lang="ja-JP" altLang="en-US"/>
           </a:p>
@@ -954,7 +960,7 @@
           <a:p>
             <a:fld id="{DE374233-F62D-42D9-8A0B-E7E60A34C0EB}" type="datetimeFigureOut">
               <a:rPr kumimoji="1" lang="ja-JP" altLang="en-US" smtClean="0"/>
-              <a:t>2020/3/29</a:t>
+              <a:t>2020/3/31</a:t>
             </a:fld>
             <a:endParaRPr kumimoji="1" lang="ja-JP" altLang="en-US"/>
           </a:p>
@@ -1229,7 +1235,7 @@
           <a:p>
             <a:fld id="{DE374233-F62D-42D9-8A0B-E7E60A34C0EB}" type="datetimeFigureOut">
               <a:rPr kumimoji="1" lang="ja-JP" altLang="en-US" smtClean="0"/>
-              <a:t>2020/3/29</a:t>
+              <a:t>2020/3/31</a:t>
             </a:fld>
             <a:endParaRPr kumimoji="1" lang="ja-JP" altLang="en-US"/>
           </a:p>
@@ -1558,7 +1564,7 @@
           <a:p>
             <a:fld id="{DE374233-F62D-42D9-8A0B-E7E60A34C0EB}" type="datetimeFigureOut">
               <a:rPr kumimoji="1" lang="ja-JP" altLang="en-US" smtClean="0"/>
-              <a:t>2020/3/29</a:t>
+              <a:t>2020/3/31</a:t>
             </a:fld>
             <a:endParaRPr kumimoji="1" lang="ja-JP" altLang="en-US"/>
           </a:p>
@@ -2034,7 +2040,7 @@
           <a:p>
             <a:fld id="{DE374233-F62D-42D9-8A0B-E7E60A34C0EB}" type="datetimeFigureOut">
               <a:rPr kumimoji="1" lang="ja-JP" altLang="en-US" smtClean="0"/>
-              <a:t>2020/3/29</a:t>
+              <a:t>2020/3/31</a:t>
             </a:fld>
             <a:endParaRPr kumimoji="1" lang="ja-JP" altLang="en-US"/>
           </a:p>
@@ -2175,7 +2181,7 @@
           <a:p>
             <a:fld id="{DE374233-F62D-42D9-8A0B-E7E60A34C0EB}" type="datetimeFigureOut">
               <a:rPr kumimoji="1" lang="ja-JP" altLang="en-US" smtClean="0"/>
-              <a:t>2020/3/29</a:t>
+              <a:t>2020/3/31</a:t>
             </a:fld>
             <a:endParaRPr kumimoji="1" lang="ja-JP" altLang="en-US"/>
           </a:p>
@@ -2288,7 +2294,7 @@
           <a:p>
             <a:fld id="{DE374233-F62D-42D9-8A0B-E7E60A34C0EB}" type="datetimeFigureOut">
               <a:rPr kumimoji="1" lang="ja-JP" altLang="en-US" smtClean="0"/>
-              <a:t>2020/3/29</a:t>
+              <a:t>2020/3/31</a:t>
             </a:fld>
             <a:endParaRPr kumimoji="1" lang="ja-JP" altLang="en-US"/>
           </a:p>
@@ -2631,7 +2637,7 @@
           <a:p>
             <a:fld id="{DE374233-F62D-42D9-8A0B-E7E60A34C0EB}" type="datetimeFigureOut">
               <a:rPr kumimoji="1" lang="ja-JP" altLang="en-US" smtClean="0"/>
-              <a:t>2020/3/29</a:t>
+              <a:t>2020/3/31</a:t>
             </a:fld>
             <a:endParaRPr kumimoji="1" lang="ja-JP" altLang="en-US"/>
           </a:p>
@@ -2919,7 +2925,7 @@
           <a:p>
             <a:fld id="{DE374233-F62D-42D9-8A0B-E7E60A34C0EB}" type="datetimeFigureOut">
               <a:rPr kumimoji="1" lang="ja-JP" altLang="en-US" smtClean="0"/>
-              <a:t>2020/3/29</a:t>
+              <a:t>2020/3/31</a:t>
             </a:fld>
             <a:endParaRPr kumimoji="1" lang="ja-JP" altLang="en-US"/>
           </a:p>
@@ -3192,7 +3198,7 @@
           <a:p>
             <a:fld id="{DE374233-F62D-42D9-8A0B-E7E60A34C0EB}" type="datetimeFigureOut">
               <a:rPr kumimoji="1" lang="ja-JP" altLang="en-US" smtClean="0"/>
-              <a:t>2020/3/29</a:t>
+              <a:t>2020/3/31</a:t>
             </a:fld>
             <a:endParaRPr kumimoji="1" lang="ja-JP" altLang="en-US"/>
           </a:p>
@@ -5722,6 +5728,370 @@
 </p:sld>
 </file>
 
+<file path=ppt/slides/slide2.xml><?xml version="1.0" encoding="utf-8"?>
+<p:sld xmlns:a="http://schemas.openxmlformats.org/drawingml/2006/main" xmlns:r="http://schemas.openxmlformats.org/officeDocument/2006/relationships" xmlns:p="http://schemas.openxmlformats.org/presentationml/2006/main">
+  <p:cSld>
+    <p:spTree>
+      <p:nvGrpSpPr>
+        <p:cNvPr id="1" name=""/>
+        <p:cNvGrpSpPr/>
+        <p:nvPr/>
+      </p:nvGrpSpPr>
+      <p:grpSpPr>
+        <a:xfrm>
+          <a:off x="0" y="0"/>
+          <a:ext cx="0" cy="0"/>
+          <a:chOff x="0" y="0"/>
+          <a:chExt cx="0" cy="0"/>
+        </a:xfrm>
+      </p:grpSpPr>
+      <p:grpSp>
+        <p:nvGrpSpPr>
+          <p:cNvPr id="4" name="グループ化 3">
+            <a:extLst>
+              <a:ext uri="{FF2B5EF4-FFF2-40B4-BE49-F238E27FC236}">
+                <a16:creationId xmlns:a16="http://schemas.microsoft.com/office/drawing/2014/main" id="{190B444B-A8D5-4314-89AD-D56D6C2CEEBD}"/>
+              </a:ext>
+            </a:extLst>
+          </p:cNvPr>
+          <p:cNvGrpSpPr/>
+          <p:nvPr/>
+        </p:nvGrpSpPr>
+        <p:grpSpPr>
+          <a:xfrm>
+            <a:off x="763347" y="625059"/>
+            <a:ext cx="2880767" cy="2803941"/>
+            <a:chOff x="3333916" y="2107924"/>
+            <a:chExt cx="2880767" cy="2803941"/>
+          </a:xfrm>
+        </p:grpSpPr>
+        <p:sp>
+          <p:nvSpPr>
+            <p:cNvPr id="5" name="四角形: 角を丸くする 4">
+              <a:extLst>
+                <a:ext uri="{FF2B5EF4-FFF2-40B4-BE49-F238E27FC236}">
+                  <a16:creationId xmlns:a16="http://schemas.microsoft.com/office/drawing/2014/main" id="{EB3032B1-17F4-481C-95FC-E14154D0C0B1}"/>
+                </a:ext>
+              </a:extLst>
+            </p:cNvPr>
+            <p:cNvSpPr/>
+            <p:nvPr/>
+          </p:nvSpPr>
+          <p:spPr>
+            <a:xfrm>
+              <a:off x="3333916" y="2107975"/>
+              <a:ext cx="2880767" cy="2803890"/>
+            </a:xfrm>
+            <a:prstGeom prst="roundRect">
+              <a:avLst/>
+            </a:prstGeom>
+            <a:solidFill>
+              <a:schemeClr val="bg1"/>
+            </a:solidFill>
+            <a:ln w="19050">
+              <a:solidFill>
+                <a:schemeClr val="tx1"/>
+              </a:solidFill>
+            </a:ln>
+            <a:effectLst>
+              <a:outerShdw blurRad="50800" dist="38100" dir="5400000" algn="t" rotWithShape="0">
+                <a:prstClr val="black">
+                  <a:alpha val="40000"/>
+                </a:prstClr>
+              </a:outerShdw>
+            </a:effectLst>
+          </p:spPr>
+          <p:style>
+            <a:lnRef idx="2">
+              <a:schemeClr val="accent1">
+                <a:shade val="50000"/>
+              </a:schemeClr>
+            </a:lnRef>
+            <a:fillRef idx="1">
+              <a:schemeClr val="accent1"/>
+            </a:fillRef>
+            <a:effectRef idx="0">
+              <a:schemeClr val="accent1"/>
+            </a:effectRef>
+            <a:fontRef idx="minor">
+              <a:schemeClr val="lt1"/>
+            </a:fontRef>
+          </p:style>
+          <p:txBody>
+            <a:bodyPr rtlCol="0" anchor="ctr"/>
+            <a:lstStyle/>
+            <a:p>
+              <a:pPr algn="ctr"/>
+              <a:endParaRPr kumimoji="1" lang="ja-JP" altLang="en-US" dirty="0"/>
+            </a:p>
+          </p:txBody>
+        </p:sp>
+        <p:cxnSp>
+          <p:nvCxnSpPr>
+            <p:cNvPr id="6" name="直線矢印コネクタ 5">
+              <a:extLst>
+                <a:ext uri="{FF2B5EF4-FFF2-40B4-BE49-F238E27FC236}">
+                  <a16:creationId xmlns:a16="http://schemas.microsoft.com/office/drawing/2014/main" id="{1B059841-0050-41EA-9C83-842AF0625574}"/>
+                </a:ext>
+              </a:extLst>
+            </p:cNvPr>
+            <p:cNvCxnSpPr>
+              <a:cxnSpLocks/>
+            </p:cNvCxnSpPr>
+            <p:nvPr/>
+          </p:nvCxnSpPr>
+          <p:spPr>
+            <a:xfrm>
+              <a:off x="3333916" y="4173464"/>
+              <a:ext cx="2880767" cy="0"/>
+            </a:xfrm>
+            <a:prstGeom prst="straightConnector1">
+              <a:avLst/>
+            </a:prstGeom>
+            <a:ln w="19050">
+              <a:solidFill>
+                <a:schemeClr val="tx1"/>
+              </a:solidFill>
+            </a:ln>
+          </p:spPr>
+          <p:style>
+            <a:lnRef idx="1">
+              <a:schemeClr val="accent1"/>
+            </a:lnRef>
+            <a:fillRef idx="0">
+              <a:schemeClr val="accent1"/>
+            </a:fillRef>
+            <a:effectRef idx="0">
+              <a:schemeClr val="accent1"/>
+            </a:effectRef>
+            <a:fontRef idx="minor">
+              <a:schemeClr val="tx1"/>
+            </a:fontRef>
+          </p:style>
+        </p:cxnSp>
+        <p:pic>
+          <p:nvPicPr>
+            <p:cNvPr id="7" name="図 6" descr="記号 が含まれている画像&#10;&#10;自動的に生成された説明">
+              <a:extLst>
+                <a:ext uri="{FF2B5EF4-FFF2-40B4-BE49-F238E27FC236}">
+                  <a16:creationId xmlns:a16="http://schemas.microsoft.com/office/drawing/2014/main" id="{7AB329AA-187B-4389-9FD8-1B3EFA8D4BA0}"/>
+                </a:ext>
+              </a:extLst>
+            </p:cNvPr>
+            <p:cNvPicPr>
+              <a:picLocks noChangeAspect="1"/>
+            </p:cNvPicPr>
+            <p:nvPr/>
+          </p:nvPicPr>
+          <p:blipFill rotWithShape="1">
+            <a:blip r:embed="rId2">
+              <a:extLst>
+                <a:ext uri="{28A0092B-C50C-407E-A947-70E740481C1C}">
+                  <a14:useLocalDpi xmlns:a14="http://schemas.microsoft.com/office/drawing/2010/main" val="0"/>
+                </a:ext>
+              </a:extLst>
+            </a:blip>
+            <a:srcRect l="11137" t="9779" b="8252"/>
+            <a:stretch/>
+          </p:blipFill>
+          <p:spPr>
+            <a:xfrm>
+              <a:off x="3665692" y="2107975"/>
+              <a:ext cx="2324424" cy="2065488"/>
+            </a:xfrm>
+            <a:prstGeom prst="rect">
+              <a:avLst/>
+            </a:prstGeom>
+          </p:spPr>
+        </p:pic>
+        <p:sp>
+          <p:nvSpPr>
+            <p:cNvPr id="8" name="四角形: 上の 2 つの角を丸める 7">
+              <a:extLst>
+                <a:ext uri="{FF2B5EF4-FFF2-40B4-BE49-F238E27FC236}">
+                  <a16:creationId xmlns:a16="http://schemas.microsoft.com/office/drawing/2014/main" id="{83F4F472-9D54-4338-8D83-A162E452AE51}"/>
+                </a:ext>
+              </a:extLst>
+            </p:cNvPr>
+            <p:cNvSpPr/>
+            <p:nvPr/>
+          </p:nvSpPr>
+          <p:spPr>
+            <a:xfrm>
+              <a:off x="3333916" y="2107924"/>
+              <a:ext cx="2867970" cy="2065488"/>
+            </a:xfrm>
+            <a:prstGeom prst="round2SameRect">
+              <a:avLst>
+                <a:gd name="adj1" fmla="val 23791"/>
+                <a:gd name="adj2" fmla="val 0"/>
+              </a:avLst>
+            </a:prstGeom>
+            <a:solidFill>
+              <a:schemeClr val="tx1">
+                <a:alpha val="56000"/>
+              </a:schemeClr>
+            </a:solidFill>
+          </p:spPr>
+          <p:style>
+            <a:lnRef idx="2">
+              <a:schemeClr val="accent1">
+                <a:shade val="50000"/>
+              </a:schemeClr>
+            </a:lnRef>
+            <a:fillRef idx="1">
+              <a:schemeClr val="accent1"/>
+            </a:fillRef>
+            <a:effectRef idx="0">
+              <a:schemeClr val="accent1"/>
+            </a:effectRef>
+            <a:fontRef idx="minor">
+              <a:schemeClr val="lt1"/>
+            </a:fontRef>
+          </p:style>
+          <p:txBody>
+            <a:bodyPr rtlCol="0" anchor="ctr"/>
+            <a:lstStyle/>
+            <a:p>
+              <a:pPr algn="ctr"/>
+              <a:endParaRPr kumimoji="1" lang="ja-JP" altLang="en-US"/>
+            </a:p>
+          </p:txBody>
+        </p:sp>
+        <p:sp>
+          <p:nvSpPr>
+            <p:cNvPr id="9" name="テキスト ボックス 8">
+              <a:extLst>
+                <a:ext uri="{FF2B5EF4-FFF2-40B4-BE49-F238E27FC236}">
+                  <a16:creationId xmlns:a16="http://schemas.microsoft.com/office/drawing/2014/main" id="{8D497F01-E71A-4ACA-9420-567C60E4417A}"/>
+                </a:ext>
+              </a:extLst>
+            </p:cNvPr>
+            <p:cNvSpPr txBox="1"/>
+            <p:nvPr/>
+          </p:nvSpPr>
+          <p:spPr>
+            <a:xfrm>
+              <a:off x="3669922" y="2312184"/>
+              <a:ext cx="2371719" cy="1147558"/>
+            </a:xfrm>
+            <a:prstGeom prst="rect">
+              <a:avLst/>
+            </a:prstGeom>
+            <a:noFill/>
+          </p:spPr>
+          <p:txBody>
+            <a:bodyPr wrap="square" rtlCol="0">
+              <a:spAutoFit/>
+            </a:bodyPr>
+            <a:lstStyle/>
+            <a:p>
+              <a:pPr>
+                <a:lnSpc>
+                  <a:spcPct val="150000"/>
+                </a:lnSpc>
+              </a:pPr>
+              <a:r>
+                <a:rPr lang="ja-JP" altLang="en-US" sz="2400" b="1" dirty="0">
+                  <a:solidFill>
+                    <a:schemeClr val="bg1"/>
+                  </a:solidFill>
+                </a:rPr>
+                <a:t>新規シラバス</a:t>
+              </a:r>
+              <a:endParaRPr lang="en-US" altLang="ja-JP" sz="2400" b="1" dirty="0">
+                <a:solidFill>
+                  <a:schemeClr val="bg1"/>
+                </a:solidFill>
+              </a:endParaRPr>
+            </a:p>
+            <a:p>
+              <a:pPr>
+                <a:lnSpc>
+                  <a:spcPct val="150000"/>
+                </a:lnSpc>
+              </a:pPr>
+              <a:r>
+                <a:rPr lang="ja-JP" altLang="en-US" sz="2400" b="1" dirty="0">
+                  <a:solidFill>
+                    <a:schemeClr val="bg1"/>
+                  </a:solidFill>
+                </a:rPr>
+                <a:t>未設定</a:t>
+              </a:r>
+              <a:endParaRPr lang="en-US" altLang="ja-JP" sz="2400" b="1" dirty="0">
+                <a:solidFill>
+                  <a:schemeClr val="bg1"/>
+                </a:solidFill>
+              </a:endParaRPr>
+            </a:p>
+          </p:txBody>
+        </p:sp>
+        <p:sp>
+          <p:nvSpPr>
+            <p:cNvPr id="10" name="テキスト ボックス 9">
+              <a:extLst>
+                <a:ext uri="{FF2B5EF4-FFF2-40B4-BE49-F238E27FC236}">
+                  <a16:creationId xmlns:a16="http://schemas.microsoft.com/office/drawing/2014/main" id="{E27351FF-E842-4F1F-9BD5-6ED59883F50B}"/>
+                </a:ext>
+              </a:extLst>
+            </p:cNvPr>
+            <p:cNvSpPr txBox="1"/>
+            <p:nvPr/>
+          </p:nvSpPr>
+          <p:spPr>
+            <a:xfrm>
+              <a:off x="3465201" y="4353041"/>
+              <a:ext cx="2725406" cy="369332"/>
+            </a:xfrm>
+            <a:prstGeom prst="rect">
+              <a:avLst/>
+            </a:prstGeom>
+            <a:noFill/>
+          </p:spPr>
+          <p:txBody>
+            <a:bodyPr wrap="square" rtlCol="0">
+              <a:spAutoFit/>
+            </a:bodyPr>
+            <a:lstStyle/>
+            <a:p>
+              <a:pPr algn="ctr"/>
+              <a:r>
+                <a:rPr lang="ja-JP" altLang="en-US" b="1" dirty="0">
+                  <a:solidFill>
+                    <a:schemeClr val="tx1">
+                      <a:lumMod val="50000"/>
+                      <a:lumOff val="50000"/>
+                    </a:schemeClr>
+                  </a:solidFill>
+                </a:rPr>
+                <a:t>詳細を見る</a:t>
+              </a:r>
+              <a:endParaRPr kumimoji="1" lang="ja-JP" altLang="en-US" b="1" dirty="0">
+                <a:solidFill>
+                  <a:schemeClr val="tx1">
+                    <a:lumMod val="50000"/>
+                    <a:lumOff val="50000"/>
+                  </a:schemeClr>
+                </a:solidFill>
+              </a:endParaRPr>
+            </a:p>
+          </p:txBody>
+        </p:sp>
+      </p:grpSp>
+    </p:spTree>
+    <p:extLst>
+      <p:ext uri="{BB962C8B-B14F-4D97-AF65-F5344CB8AC3E}">
+        <p14:creationId xmlns:p14="http://schemas.microsoft.com/office/powerpoint/2010/main" val="2894953504"/>
+      </p:ext>
+    </p:extLst>
+  </p:cSld>
+  <p:clrMapOvr>
+    <a:masterClrMapping/>
+  </p:clrMapOvr>
+</p:sld>
+</file>
+
 <file path=ppt/theme/theme1.xml><?xml version="1.0" encoding="utf-8"?>
 <a:theme xmlns:a="http://schemas.openxmlformats.org/drawingml/2006/main" name="Office テーマ">
   <a:themeElements>
